--- a/Reverse Proxy.pptx
+++ b/Reverse Proxy.pptx
@@ -132,6 +132,7 @@
       </a:defRPr>
     </a:lvl9pPr>
   </p:defaultTextStyle>
+  <p:modifyVerifier cryptProviderType="rsaAES" cryptAlgorithmClass="hash" cryptAlgorithmType="typeAny" cryptAlgorithmSid="14" spinCount="100000" saltData="5E7I142IEgE4ZFSnnBiC9A==" hashData="91cqiw2ZgODS80zPbv/StABFj2k1clc8EHvo3Sijnzhq7SQt7nVjWpjZ5Hjl/3Cdv+lSMMqQYBQng7fdhnjqhA=="/>
   <p:extLst>
     <p:ext uri="{EFAFB233-063F-42B5-8137-9DF3F51BA10A}">
       <p15:sldGuideLst xmlns:p15="http://schemas.microsoft.com/office/powerpoint/2012/main"/>
@@ -862,7 +863,7 @@
           <a:p>
             <a:fld id="{DD191564-8E5E-470A-80E8-0A0A6D1BE266}" type="datetimeFigureOut">
               <a:rPr lang="en-US" smtClean="0"/>
-              <a:t>1/29/18</a:t>
+              <a:t>3/20/18</a:t>
             </a:fld>
             <a:endParaRPr lang="en-US"/>
           </a:p>
@@ -1113,7 +1114,7 @@
           <a:p>
             <a:fld id="{DD191564-8E5E-470A-80E8-0A0A6D1BE266}" type="datetimeFigureOut">
               <a:rPr lang="en-US" smtClean="0"/>
-              <a:t>1/29/18</a:t>
+              <a:t>3/20/18</a:t>
             </a:fld>
             <a:endParaRPr lang="en-US"/>
           </a:p>
@@ -1427,7 +1428,7 @@
           <a:p>
             <a:fld id="{DD191564-8E5E-470A-80E8-0A0A6D1BE266}" type="datetimeFigureOut">
               <a:rPr lang="en-US" smtClean="0"/>
-              <a:t>1/29/18</a:t>
+              <a:t>3/20/18</a:t>
             </a:fld>
             <a:endParaRPr lang="en-US"/>
           </a:p>
@@ -1768,7 +1769,7 @@
           <a:p>
             <a:fld id="{DD191564-8E5E-470A-80E8-0A0A6D1BE266}" type="datetimeFigureOut">
               <a:rPr lang="en-US" smtClean="0"/>
-              <a:t>1/29/18</a:t>
+              <a:t>3/20/18</a:t>
             </a:fld>
             <a:endParaRPr lang="en-US"/>
           </a:p>
@@ -2082,7 +2083,7 @@
           <a:p>
             <a:fld id="{DD191564-8E5E-470A-80E8-0A0A6D1BE266}" type="datetimeFigureOut">
               <a:rPr lang="en-US" smtClean="0"/>
-              <a:t>1/29/18</a:t>
+              <a:t>3/20/18</a:t>
             </a:fld>
             <a:endParaRPr lang="en-US"/>
           </a:p>
@@ -2475,7 +2476,7 @@
           <a:p>
             <a:fld id="{DD191564-8E5E-470A-80E8-0A0A6D1BE266}" type="datetimeFigureOut">
               <a:rPr lang="en-US" smtClean="0"/>
-              <a:t>1/29/18</a:t>
+              <a:t>3/20/18</a:t>
             </a:fld>
             <a:endParaRPr lang="en-US"/>
           </a:p>
@@ -2645,7 +2646,7 @@
           <a:p>
             <a:fld id="{DD191564-8E5E-470A-80E8-0A0A6D1BE266}" type="datetimeFigureOut">
               <a:rPr lang="en-US" smtClean="0"/>
-              <a:t>1/29/18</a:t>
+              <a:t>3/20/18</a:t>
             </a:fld>
             <a:endParaRPr lang="en-US"/>
           </a:p>
@@ -2825,7 +2826,7 @@
           <a:p>
             <a:fld id="{DD191564-8E5E-470A-80E8-0A0A6D1BE266}" type="datetimeFigureOut">
               <a:rPr lang="en-US" smtClean="0"/>
-              <a:t>1/29/18</a:t>
+              <a:t>3/20/18</a:t>
             </a:fld>
             <a:endParaRPr lang="en-US"/>
           </a:p>
@@ -3001,7 +3002,7 @@
           <a:p>
             <a:fld id="{DD191564-8E5E-470A-80E8-0A0A6D1BE266}" type="datetimeFigureOut">
               <a:rPr lang="en-US" smtClean="0"/>
-              <a:t>1/29/18</a:t>
+              <a:t>3/20/18</a:t>
             </a:fld>
             <a:endParaRPr lang="en-US"/>
           </a:p>
@@ -3248,7 +3249,7 @@
           <a:p>
             <a:fld id="{DD191564-8E5E-470A-80E8-0A0A6D1BE266}" type="datetimeFigureOut">
               <a:rPr lang="en-US" smtClean="0"/>
-              <a:t>1/29/18</a:t>
+              <a:t>3/20/18</a:t>
             </a:fld>
             <a:endParaRPr lang="en-US"/>
           </a:p>
@@ -3480,7 +3481,7 @@
           <a:p>
             <a:fld id="{DD191564-8E5E-470A-80E8-0A0A6D1BE266}" type="datetimeFigureOut">
               <a:rPr lang="en-US" smtClean="0"/>
-              <a:t>1/29/18</a:t>
+              <a:t>3/20/18</a:t>
             </a:fld>
             <a:endParaRPr lang="en-US"/>
           </a:p>
@@ -3854,7 +3855,7 @@
           <a:p>
             <a:fld id="{DD191564-8E5E-470A-80E8-0A0A6D1BE266}" type="datetimeFigureOut">
               <a:rPr lang="en-US" smtClean="0"/>
-              <a:t>1/29/18</a:t>
+              <a:t>3/20/18</a:t>
             </a:fld>
             <a:endParaRPr lang="en-US"/>
           </a:p>
@@ -3977,7 +3978,7 @@
           <a:p>
             <a:fld id="{DD191564-8E5E-470A-80E8-0A0A6D1BE266}" type="datetimeFigureOut">
               <a:rPr lang="en-US" smtClean="0"/>
-              <a:t>1/29/18</a:t>
+              <a:t>3/20/18</a:t>
             </a:fld>
             <a:endParaRPr lang="en-US"/>
           </a:p>
@@ -4072,7 +4073,7 @@
           <a:p>
             <a:fld id="{DD191564-8E5E-470A-80E8-0A0A6D1BE266}" type="datetimeFigureOut">
               <a:rPr lang="en-US" smtClean="0"/>
-              <a:t>1/29/18</a:t>
+              <a:t>3/20/18</a:t>
             </a:fld>
             <a:endParaRPr lang="en-US"/>
           </a:p>
@@ -4327,7 +4328,7 @@
           <a:p>
             <a:fld id="{DD191564-8E5E-470A-80E8-0A0A6D1BE266}" type="datetimeFigureOut">
               <a:rPr lang="en-US" smtClean="0"/>
-              <a:t>1/29/18</a:t>
+              <a:t>3/20/18</a:t>
             </a:fld>
             <a:endParaRPr lang="en-US"/>
           </a:p>
@@ -4590,7 +4591,7 @@
           <a:p>
             <a:fld id="{DD191564-8E5E-470A-80E8-0A0A6D1BE266}" type="datetimeFigureOut">
               <a:rPr lang="en-US" smtClean="0"/>
-              <a:t>1/29/18</a:t>
+              <a:t>3/20/18</a:t>
             </a:fld>
             <a:endParaRPr lang="en-US"/>
           </a:p>
@@ -5333,7 +5334,7 @@
           <a:p>
             <a:fld id="{DD191564-8E5E-470A-80E8-0A0A6D1BE266}" type="datetimeFigureOut">
               <a:rPr lang="en-US" smtClean="0"/>
-              <a:t>1/29/18</a:t>
+              <a:t>3/20/18</a:t>
             </a:fld>
             <a:endParaRPr lang="en-US"/>
           </a:p>
